--- a/trunk/OOPExam/05 Windows Control, Events and Event Handlers.pptx
+++ b/trunk/OOPExam/05 Windows Control, Events and Event Handlers.pptx
@@ -4,6 +4,9 @@
   <p:sldMasterIdLst>
     <p:sldMasterId id="2147483648" r:id="rId1"/>
   </p:sldMasterIdLst>
+  <p:notesMasterIdLst>
+    <p:notesMasterId r:id="rId11"/>
+  </p:notesMasterIdLst>
   <p:sldIdLst>
     <p:sldId id="256" r:id="rId2"/>
     <p:sldId id="257" r:id="rId3"/>
@@ -113,6 +116,523 @@
     </a:lvl9pPr>
   </p:defaultTextStyle>
 </p:presentation>
+</file>
+
+<file path=ppt/notesMasters/notesMaster1.xml><?xml version="1.0" encoding="utf-8"?>
+<p:notesMaster xmlns:a="http://schemas.openxmlformats.org/drawingml/2006/main" xmlns:r="http://schemas.openxmlformats.org/officeDocument/2006/relationships" xmlns:p="http://schemas.openxmlformats.org/presentationml/2006/main">
+  <p:cSld>
+    <p:bg>
+      <p:bgRef idx="1001">
+        <a:schemeClr val="bg1"/>
+      </p:bgRef>
+    </p:bg>
+    <p:spTree>
+      <p:nvGrpSpPr>
+        <p:cNvPr id="1" name=""/>
+        <p:cNvGrpSpPr/>
+        <p:nvPr/>
+      </p:nvGrpSpPr>
+      <p:grpSpPr>
+        <a:xfrm>
+          <a:off x="0" y="0"/>
+          <a:ext cx="0" cy="0"/>
+          <a:chOff x="0" y="0"/>
+          <a:chExt cx="0" cy="0"/>
+        </a:xfrm>
+      </p:grpSpPr>
+      <p:sp>
+        <p:nvSpPr>
+          <p:cNvPr id="2" name="Header Placeholder 1"/>
+          <p:cNvSpPr>
+            <a:spLocks noGrp="1"/>
+          </p:cNvSpPr>
+          <p:nvPr>
+            <p:ph type="hdr" sz="quarter"/>
+          </p:nvPr>
+        </p:nvSpPr>
+        <p:spPr>
+          <a:xfrm>
+            <a:off x="0" y="0"/>
+            <a:ext cx="2971800" cy="457200"/>
+          </a:xfrm>
+          <a:prstGeom prst="rect">
+            <a:avLst/>
+          </a:prstGeom>
+        </p:spPr>
+        <p:txBody>
+          <a:bodyPr vert="horz" lIns="91440" tIns="45720" rIns="91440" bIns="45720" rtlCol="0"/>
+          <a:lstStyle>
+            <a:lvl1pPr algn="l">
+              <a:defRPr sz="1200"/>
+            </a:lvl1pPr>
+          </a:lstStyle>
+          <a:p>
+            <a:endParaRPr lang="en-US"/>
+          </a:p>
+        </p:txBody>
+      </p:sp>
+      <p:sp>
+        <p:nvSpPr>
+          <p:cNvPr id="3" name="Date Placeholder 2"/>
+          <p:cNvSpPr>
+            <a:spLocks noGrp="1"/>
+          </p:cNvSpPr>
+          <p:nvPr>
+            <p:ph type="dt" idx="1"/>
+          </p:nvPr>
+        </p:nvSpPr>
+        <p:spPr>
+          <a:xfrm>
+            <a:off x="3884613" y="0"/>
+            <a:ext cx="2971800" cy="457200"/>
+          </a:xfrm>
+          <a:prstGeom prst="rect">
+            <a:avLst/>
+          </a:prstGeom>
+        </p:spPr>
+        <p:txBody>
+          <a:bodyPr vert="horz" lIns="91440" tIns="45720" rIns="91440" bIns="45720" rtlCol="0"/>
+          <a:lstStyle>
+            <a:lvl1pPr algn="r">
+              <a:defRPr sz="1200"/>
+            </a:lvl1pPr>
+          </a:lstStyle>
+          <a:p>
+            <a:fld id="{B51B59D1-7E4C-4C49-B133-6B97AFF35FCA}" type="datetimeFigureOut">
+              <a:rPr lang="en-US" smtClean="0"/>
+              <a:t>1/12/2010</a:t>
+            </a:fld>
+            <a:endParaRPr lang="en-US"/>
+          </a:p>
+        </p:txBody>
+      </p:sp>
+      <p:sp>
+        <p:nvSpPr>
+          <p:cNvPr id="4" name="Slide Image Placeholder 3"/>
+          <p:cNvSpPr>
+            <a:spLocks noGrp="1" noRot="1" noChangeAspect="1"/>
+          </p:cNvSpPr>
+          <p:nvPr>
+            <p:ph type="sldImg" idx="2"/>
+          </p:nvPr>
+        </p:nvSpPr>
+        <p:spPr>
+          <a:xfrm>
+            <a:off x="1143000" y="685800"/>
+            <a:ext cx="4572000" cy="3429000"/>
+          </a:xfrm>
+          <a:prstGeom prst="rect">
+            <a:avLst/>
+          </a:prstGeom>
+          <a:noFill/>
+          <a:ln w="12700">
+            <a:solidFill>
+              <a:prstClr val="black"/>
+            </a:solidFill>
+          </a:ln>
+        </p:spPr>
+        <p:txBody>
+          <a:bodyPr vert="horz" lIns="91440" tIns="45720" rIns="91440" bIns="45720" rtlCol="0" anchor="ctr"/>
+          <a:lstStyle/>
+          <a:p>
+            <a:endParaRPr lang="en-US"/>
+          </a:p>
+        </p:txBody>
+      </p:sp>
+      <p:sp>
+        <p:nvSpPr>
+          <p:cNvPr id="5" name="Notes Placeholder 4"/>
+          <p:cNvSpPr>
+            <a:spLocks noGrp="1"/>
+          </p:cNvSpPr>
+          <p:nvPr>
+            <p:ph type="body" sz="quarter" idx="3"/>
+          </p:nvPr>
+        </p:nvSpPr>
+        <p:spPr>
+          <a:xfrm>
+            <a:off x="685800" y="4343400"/>
+            <a:ext cx="5486400" cy="4114800"/>
+          </a:xfrm>
+          <a:prstGeom prst="rect">
+            <a:avLst/>
+          </a:prstGeom>
+        </p:spPr>
+        <p:txBody>
+          <a:bodyPr vert="horz" lIns="91440" tIns="45720" rIns="91440" bIns="45720" rtlCol="0">
+            <a:normAutofit/>
+          </a:bodyPr>
+          <a:lstStyle/>
+          <a:p>
+            <a:pPr lvl="0"/>
+            <a:r>
+              <a:rPr lang="en-US" smtClean="0"/>
+              <a:t>Click to edit Master text styles</a:t>
+            </a:r>
+          </a:p>
+          <a:p>
+            <a:pPr lvl="1"/>
+            <a:r>
+              <a:rPr lang="en-US" smtClean="0"/>
+              <a:t>Second level</a:t>
+            </a:r>
+          </a:p>
+          <a:p>
+            <a:pPr lvl="2"/>
+            <a:r>
+              <a:rPr lang="en-US" smtClean="0"/>
+              <a:t>Third level</a:t>
+            </a:r>
+          </a:p>
+          <a:p>
+            <a:pPr lvl="3"/>
+            <a:r>
+              <a:rPr lang="en-US" smtClean="0"/>
+              <a:t>Fourth level</a:t>
+            </a:r>
+          </a:p>
+          <a:p>
+            <a:pPr lvl="4"/>
+            <a:r>
+              <a:rPr lang="en-US" smtClean="0"/>
+              <a:t>Fifth level</a:t>
+            </a:r>
+            <a:endParaRPr lang="en-US"/>
+          </a:p>
+        </p:txBody>
+      </p:sp>
+      <p:sp>
+        <p:nvSpPr>
+          <p:cNvPr id="6" name="Footer Placeholder 5"/>
+          <p:cNvSpPr>
+            <a:spLocks noGrp="1"/>
+          </p:cNvSpPr>
+          <p:nvPr>
+            <p:ph type="ftr" sz="quarter" idx="4"/>
+          </p:nvPr>
+        </p:nvSpPr>
+        <p:spPr>
+          <a:xfrm>
+            <a:off x="0" y="8685213"/>
+            <a:ext cx="2971800" cy="457200"/>
+          </a:xfrm>
+          <a:prstGeom prst="rect">
+            <a:avLst/>
+          </a:prstGeom>
+        </p:spPr>
+        <p:txBody>
+          <a:bodyPr vert="horz" lIns="91440" tIns="45720" rIns="91440" bIns="45720" rtlCol="0" anchor="b"/>
+          <a:lstStyle>
+            <a:lvl1pPr algn="l">
+              <a:defRPr sz="1200"/>
+            </a:lvl1pPr>
+          </a:lstStyle>
+          <a:p>
+            <a:endParaRPr lang="en-US"/>
+          </a:p>
+        </p:txBody>
+      </p:sp>
+      <p:sp>
+        <p:nvSpPr>
+          <p:cNvPr id="7" name="Slide Number Placeholder 6"/>
+          <p:cNvSpPr>
+            <a:spLocks noGrp="1"/>
+          </p:cNvSpPr>
+          <p:nvPr>
+            <p:ph type="sldNum" sz="quarter" idx="5"/>
+          </p:nvPr>
+        </p:nvSpPr>
+        <p:spPr>
+          <a:xfrm>
+            <a:off x="3884613" y="8685213"/>
+            <a:ext cx="2971800" cy="457200"/>
+          </a:xfrm>
+          <a:prstGeom prst="rect">
+            <a:avLst/>
+          </a:prstGeom>
+        </p:spPr>
+        <p:txBody>
+          <a:bodyPr vert="horz" lIns="91440" tIns="45720" rIns="91440" bIns="45720" rtlCol="0" anchor="b"/>
+          <a:lstStyle>
+            <a:lvl1pPr algn="r">
+              <a:defRPr sz="1200"/>
+            </a:lvl1pPr>
+          </a:lstStyle>
+          <a:p>
+            <a:fld id="{9AF4F8FE-1D9F-4EDC-9CB0-F991A3D1F10C}" type="slidenum">
+              <a:rPr lang="en-US" smtClean="0"/>
+              <a:t>‹#›</a:t>
+            </a:fld>
+            <a:endParaRPr lang="en-US"/>
+          </a:p>
+        </p:txBody>
+      </p:sp>
+    </p:spTree>
+  </p:cSld>
+  <p:clrMap bg1="lt1" tx1="dk1" bg2="lt2" tx2="dk2" accent1="accent1" accent2="accent2" accent3="accent3" accent4="accent4" accent5="accent5" accent6="accent6" hlink="hlink" folHlink="folHlink"/>
+  <p:notesStyle>
+    <a:lvl1pPr marL="0" algn="l" defTabSz="914400" rtl="0" eaLnBrk="1" latinLnBrk="0" hangingPunct="1">
+      <a:defRPr sz="1200" kern="1200">
+        <a:solidFill>
+          <a:schemeClr val="tx1"/>
+        </a:solidFill>
+        <a:latin typeface="+mn-lt"/>
+        <a:ea typeface="+mn-ea"/>
+        <a:cs typeface="+mn-cs"/>
+      </a:defRPr>
+    </a:lvl1pPr>
+    <a:lvl2pPr marL="457200" algn="l" defTabSz="914400" rtl="0" eaLnBrk="1" latinLnBrk="0" hangingPunct="1">
+      <a:defRPr sz="1200" kern="1200">
+        <a:solidFill>
+          <a:schemeClr val="tx1"/>
+        </a:solidFill>
+        <a:latin typeface="+mn-lt"/>
+        <a:ea typeface="+mn-ea"/>
+        <a:cs typeface="+mn-cs"/>
+      </a:defRPr>
+    </a:lvl2pPr>
+    <a:lvl3pPr marL="914400" algn="l" defTabSz="914400" rtl="0" eaLnBrk="1" latinLnBrk="0" hangingPunct="1">
+      <a:defRPr sz="1200" kern="1200">
+        <a:solidFill>
+          <a:schemeClr val="tx1"/>
+        </a:solidFill>
+        <a:latin typeface="+mn-lt"/>
+        <a:ea typeface="+mn-ea"/>
+        <a:cs typeface="+mn-cs"/>
+      </a:defRPr>
+    </a:lvl3pPr>
+    <a:lvl4pPr marL="1371600" algn="l" defTabSz="914400" rtl="0" eaLnBrk="1" latinLnBrk="0" hangingPunct="1">
+      <a:defRPr sz="1200" kern="1200">
+        <a:solidFill>
+          <a:schemeClr val="tx1"/>
+        </a:solidFill>
+        <a:latin typeface="+mn-lt"/>
+        <a:ea typeface="+mn-ea"/>
+        <a:cs typeface="+mn-cs"/>
+      </a:defRPr>
+    </a:lvl4pPr>
+    <a:lvl5pPr marL="1828800" algn="l" defTabSz="914400" rtl="0" eaLnBrk="1" latinLnBrk="0" hangingPunct="1">
+      <a:defRPr sz="1200" kern="1200">
+        <a:solidFill>
+          <a:schemeClr val="tx1"/>
+        </a:solidFill>
+        <a:latin typeface="+mn-lt"/>
+        <a:ea typeface="+mn-ea"/>
+        <a:cs typeface="+mn-cs"/>
+      </a:defRPr>
+    </a:lvl5pPr>
+    <a:lvl6pPr marL="2286000" algn="l" defTabSz="914400" rtl="0" eaLnBrk="1" latinLnBrk="0" hangingPunct="1">
+      <a:defRPr sz="1200" kern="1200">
+        <a:solidFill>
+          <a:schemeClr val="tx1"/>
+        </a:solidFill>
+        <a:latin typeface="+mn-lt"/>
+        <a:ea typeface="+mn-ea"/>
+        <a:cs typeface="+mn-cs"/>
+      </a:defRPr>
+    </a:lvl6pPr>
+    <a:lvl7pPr marL="2743200" algn="l" defTabSz="914400" rtl="0" eaLnBrk="1" latinLnBrk="0" hangingPunct="1">
+      <a:defRPr sz="1200" kern="1200">
+        <a:solidFill>
+          <a:schemeClr val="tx1"/>
+        </a:solidFill>
+        <a:latin typeface="+mn-lt"/>
+        <a:ea typeface="+mn-ea"/>
+        <a:cs typeface="+mn-cs"/>
+      </a:defRPr>
+    </a:lvl7pPr>
+    <a:lvl8pPr marL="3200400" algn="l" defTabSz="914400" rtl="0" eaLnBrk="1" latinLnBrk="0" hangingPunct="1">
+      <a:defRPr sz="1200" kern="1200">
+        <a:solidFill>
+          <a:schemeClr val="tx1"/>
+        </a:solidFill>
+        <a:latin typeface="+mn-lt"/>
+        <a:ea typeface="+mn-ea"/>
+        <a:cs typeface="+mn-cs"/>
+      </a:defRPr>
+    </a:lvl8pPr>
+    <a:lvl9pPr marL="3657600" algn="l" defTabSz="914400" rtl="0" eaLnBrk="1" latinLnBrk="0" hangingPunct="1">
+      <a:defRPr sz="1200" kern="1200">
+        <a:solidFill>
+          <a:schemeClr val="tx1"/>
+        </a:solidFill>
+        <a:latin typeface="+mn-lt"/>
+        <a:ea typeface="+mn-ea"/>
+        <a:cs typeface="+mn-cs"/>
+      </a:defRPr>
+    </a:lvl9pPr>
+  </p:notesStyle>
+</p:notesMaster>
+</file>
+
+<file path=ppt/notesSlides/notesSlide1.xml><?xml version="1.0" encoding="utf-8"?>
+<p:notes xmlns:a="http://schemas.openxmlformats.org/drawingml/2006/main" xmlns:r="http://schemas.openxmlformats.org/officeDocument/2006/relationships" xmlns:p="http://schemas.openxmlformats.org/presentationml/2006/main">
+  <p:cSld>
+    <p:spTree>
+      <p:nvGrpSpPr>
+        <p:cNvPr id="1" name=""/>
+        <p:cNvGrpSpPr/>
+        <p:nvPr/>
+      </p:nvGrpSpPr>
+      <p:grpSpPr>
+        <a:xfrm>
+          <a:off x="0" y="0"/>
+          <a:ext cx="0" cy="0"/>
+          <a:chOff x="0" y="0"/>
+          <a:chExt cx="0" cy="0"/>
+        </a:xfrm>
+      </p:grpSpPr>
+      <p:sp>
+        <p:nvSpPr>
+          <p:cNvPr id="2" name="Slide Image Placeholder 1"/>
+          <p:cNvSpPr>
+            <a:spLocks noGrp="1" noRot="1" noChangeAspect="1"/>
+          </p:cNvSpPr>
+          <p:nvPr>
+            <p:ph type="sldImg"/>
+          </p:nvPr>
+        </p:nvSpPr>
+        <p:spPr/>
+      </p:sp>
+      <p:sp>
+        <p:nvSpPr>
+          <p:cNvPr id="3" name="Notes Placeholder 2"/>
+          <p:cNvSpPr>
+            <a:spLocks noGrp="1"/>
+          </p:cNvSpPr>
+          <p:nvPr>
+            <p:ph type="body" idx="1"/>
+          </p:nvPr>
+        </p:nvSpPr>
+        <p:spPr/>
+        <p:txBody>
+          <a:bodyPr>
+            <a:normAutofit/>
+          </a:bodyPr>
+          <a:lstStyle/>
+          <a:p>
+            <a:r>
+              <a:rPr lang="en-US" sz="1200" kern="1200" dirty="0" smtClean="0">
+                <a:solidFill>
+                  <a:schemeClr val="tx1"/>
+                </a:solidFill>
+                <a:latin typeface="+mn-lt"/>
+                <a:ea typeface="+mn-ea"/>
+                <a:cs typeface="+mn-cs"/>
+              </a:rPr>
+              <a:t>Give an explanation for windows control, events and event handlers</a:t>
+            </a:r>
+          </a:p>
+          <a:p>
+            <a:r>
+              <a:rPr lang="en-US" sz="1200" kern="1200" dirty="0" smtClean="0">
+                <a:solidFill>
+                  <a:schemeClr val="tx1"/>
+                </a:solidFill>
+                <a:latin typeface="+mn-lt"/>
+                <a:ea typeface="+mn-ea"/>
+                <a:cs typeface="+mn-cs"/>
+              </a:rPr>
+              <a:t> </a:t>
+            </a:r>
+          </a:p>
+          <a:p>
+            <a:r>
+              <a:rPr lang="en-US" sz="1200" kern="1200" dirty="0" smtClean="0">
+                <a:solidFill>
+                  <a:schemeClr val="tx1"/>
+                </a:solidFill>
+                <a:latin typeface="+mn-lt"/>
+                <a:ea typeface="+mn-ea"/>
+                <a:cs typeface="+mn-cs"/>
+              </a:rPr>
+              <a:t>Relevant theoretical decisions</a:t>
+            </a:r>
+          </a:p>
+          <a:p>
+            <a:pPr lvl="0"/>
+            <a:r>
+              <a:rPr lang="en-US" sz="1200" kern="1200" dirty="0" smtClean="0">
+                <a:solidFill>
+                  <a:schemeClr val="tx1"/>
+                </a:solidFill>
+                <a:latin typeface="+mn-lt"/>
+                <a:ea typeface="+mn-ea"/>
+                <a:cs typeface="+mn-cs"/>
+              </a:rPr>
+              <a:t>What are windows controls?</a:t>
+            </a:r>
+          </a:p>
+          <a:p>
+            <a:pPr lvl="0"/>
+            <a:r>
+              <a:rPr lang="en-US" sz="1200" kern="1200" dirty="0" smtClean="0">
+                <a:solidFill>
+                  <a:schemeClr val="tx1"/>
+                </a:solidFill>
+                <a:latin typeface="+mn-lt"/>
+                <a:ea typeface="+mn-ea"/>
+                <a:cs typeface="+mn-cs"/>
+              </a:rPr>
+              <a:t>What is an event and what does it mean?</a:t>
+            </a:r>
+          </a:p>
+          <a:p>
+            <a:pPr lvl="0"/>
+            <a:r>
+              <a:rPr lang="en-US" sz="1200" kern="1200" dirty="0" smtClean="0">
+                <a:solidFill>
+                  <a:schemeClr val="tx1"/>
+                </a:solidFill>
+                <a:latin typeface="+mn-lt"/>
+                <a:ea typeface="+mn-ea"/>
+                <a:cs typeface="+mn-cs"/>
+              </a:rPr>
+              <a:t>What is an event handler, how it works and what it contains?</a:t>
+            </a:r>
+            <a:endParaRPr lang="en-US" sz="1200" kern="1200" smtClean="0">
+              <a:solidFill>
+                <a:schemeClr val="tx1"/>
+              </a:solidFill>
+              <a:latin typeface="+mn-lt"/>
+              <a:ea typeface="+mn-ea"/>
+              <a:cs typeface="+mn-cs"/>
+            </a:endParaRPr>
+          </a:p>
+          <a:p>
+            <a:endParaRPr lang="en-US"/>
+          </a:p>
+        </p:txBody>
+      </p:sp>
+      <p:sp>
+        <p:nvSpPr>
+          <p:cNvPr id="4" name="Slide Number Placeholder 3"/>
+          <p:cNvSpPr>
+            <a:spLocks noGrp="1"/>
+          </p:cNvSpPr>
+          <p:nvPr>
+            <p:ph type="sldNum" sz="quarter" idx="10"/>
+          </p:nvPr>
+        </p:nvSpPr>
+        <p:spPr/>
+        <p:txBody>
+          <a:bodyPr/>
+          <a:lstStyle/>
+          <a:p>
+            <a:fld id="{9AF4F8FE-1D9F-4EDC-9CB0-F991A3D1F10C}" type="slidenum">
+              <a:rPr lang="en-US" smtClean="0"/>
+              <a:t>1</a:t>
+            </a:fld>
+            <a:endParaRPr lang="en-US"/>
+          </a:p>
+        </p:txBody>
+      </p:sp>
+    </p:spTree>
+  </p:cSld>
+  <p:clrMapOvr>
+    <a:masterClrMapping/>
+  </p:clrMapOvr>
+</p:notes>
 </file>
 
 <file path=ppt/slideLayouts/slideLayout1.xml><?xml version="1.0" encoding="utf-8"?>
@@ -4091,4 +4611,287 @@
   <a:objectDefaults/>
   <a:extraClrSchemeLst/>
 </a:theme>
+</file>
+
+<file path=ppt/theme/theme2.xml><?xml version="1.0" encoding="utf-8"?>
+<a:theme xmlns:a="http://schemas.openxmlformats.org/drawingml/2006/main" name="Office Theme">
+  <a:themeElements>
+    <a:clrScheme name="Office">
+      <a:dk1>
+        <a:sysClr val="windowText" lastClr="000000"/>
+      </a:dk1>
+      <a:lt1>
+        <a:sysClr val="window" lastClr="FFFFFF"/>
+      </a:lt1>
+      <a:dk2>
+        <a:srgbClr val="1F497D"/>
+      </a:dk2>
+      <a:lt2>
+        <a:srgbClr val="EEECE1"/>
+      </a:lt2>
+      <a:accent1>
+        <a:srgbClr val="4F81BD"/>
+      </a:accent1>
+      <a:accent2>
+        <a:srgbClr val="C0504D"/>
+      </a:accent2>
+      <a:accent3>
+        <a:srgbClr val="9BBB59"/>
+      </a:accent3>
+      <a:accent4>
+        <a:srgbClr val="8064A2"/>
+      </a:accent4>
+      <a:accent5>
+        <a:srgbClr val="4BACC6"/>
+      </a:accent5>
+      <a:accent6>
+        <a:srgbClr val="F79646"/>
+      </a:accent6>
+      <a:hlink>
+        <a:srgbClr val="0000FF"/>
+      </a:hlink>
+      <a:folHlink>
+        <a:srgbClr val="800080"/>
+      </a:folHlink>
+    </a:clrScheme>
+    <a:fontScheme name="Office">
+      <a:majorFont>
+        <a:latin typeface="Calibri"/>
+        <a:ea typeface=""/>
+        <a:cs typeface=""/>
+        <a:font script="Jpan" typeface="ＭＳ Ｐゴシック"/>
+        <a:font script="Hang" typeface="맑은 고딕"/>
+        <a:font script="Hans" typeface="宋体"/>
+        <a:font script="Hant" typeface="新細明體"/>
+        <a:font script="Arab" typeface="Times New Roman"/>
+        <a:font script="Hebr" typeface="Times New Roman"/>
+        <a:font script="Thai" typeface="Angsana New"/>
+        <a:font script="Ethi" typeface="Nyala"/>
+        <a:font script="Beng" typeface="Vrinda"/>
+        <a:font script="Gujr" typeface="Shruti"/>
+        <a:font script="Khmr" typeface="MoolBoran"/>
+        <a:font script="Knda" typeface="Tunga"/>
+        <a:font script="Guru" typeface="Raavi"/>
+        <a:font script="Cans" typeface="Euphemia"/>
+        <a:font script="Cher" typeface="Plantagenet Cherokee"/>
+        <a:font script="Yiii" typeface="Microsoft Yi Baiti"/>
+        <a:font script="Tibt" typeface="Microsoft Himalaya"/>
+        <a:font script="Thaa" typeface="MV Boli"/>
+        <a:font script="Deva" typeface="Mangal"/>
+        <a:font script="Telu" typeface="Gautami"/>
+        <a:font script="Taml" typeface="Latha"/>
+        <a:font script="Syrc" typeface="Estrangelo Edessa"/>
+        <a:font script="Orya" typeface="Kalinga"/>
+        <a:font script="Mlym" typeface="Kartika"/>
+        <a:font script="Laoo" typeface="DokChampa"/>
+        <a:font script="Sinh" typeface="Iskoola Pota"/>
+        <a:font script="Mong" typeface="Mongolian Baiti"/>
+        <a:font script="Viet" typeface="Times New Roman"/>
+        <a:font script="Uigh" typeface="Microsoft Uighur"/>
+      </a:majorFont>
+      <a:minorFont>
+        <a:latin typeface="Calibri"/>
+        <a:ea typeface=""/>
+        <a:cs typeface=""/>
+        <a:font script="Jpan" typeface="ＭＳ Ｐゴシック"/>
+        <a:font script="Hang" typeface="맑은 고딕"/>
+        <a:font script="Hans" typeface="宋体"/>
+        <a:font script="Hant" typeface="新細明體"/>
+        <a:font script="Arab" typeface="Arial"/>
+        <a:font script="Hebr" typeface="Arial"/>
+        <a:font script="Thai" typeface="Cordia New"/>
+        <a:font script="Ethi" typeface="Nyala"/>
+        <a:font script="Beng" typeface="Vrinda"/>
+        <a:font script="Gujr" typeface="Shruti"/>
+        <a:font script="Khmr" typeface="DaunPenh"/>
+        <a:font script="Knda" typeface="Tunga"/>
+        <a:font script="Guru" typeface="Raavi"/>
+        <a:font script="Cans" typeface="Euphemia"/>
+        <a:font script="Cher" typeface="Plantagenet Cherokee"/>
+        <a:font script="Yiii" typeface="Microsoft Yi Baiti"/>
+        <a:font script="Tibt" typeface="Microsoft Himalaya"/>
+        <a:font script="Thaa" typeface="MV Boli"/>
+        <a:font script="Deva" typeface="Mangal"/>
+        <a:font script="Telu" typeface="Gautami"/>
+        <a:font script="Taml" typeface="Latha"/>
+        <a:font script="Syrc" typeface="Estrangelo Edessa"/>
+        <a:font script="Orya" typeface="Kalinga"/>
+        <a:font script="Mlym" typeface="Kartika"/>
+        <a:font script="Laoo" typeface="DokChampa"/>
+        <a:font script="Sinh" typeface="Iskoola Pota"/>
+        <a:font script="Mong" typeface="Mongolian Baiti"/>
+        <a:font script="Viet" typeface="Arial"/>
+        <a:font script="Uigh" typeface="Microsoft Uighur"/>
+      </a:minorFont>
+    </a:fontScheme>
+    <a:fmtScheme name="Office">
+      <a:fillStyleLst>
+        <a:solidFill>
+          <a:schemeClr val="phClr"/>
+        </a:solidFill>
+        <a:gradFill rotWithShape="1">
+          <a:gsLst>
+            <a:gs pos="0">
+              <a:schemeClr val="phClr">
+                <a:tint val="50000"/>
+                <a:satMod val="300000"/>
+              </a:schemeClr>
+            </a:gs>
+            <a:gs pos="35000">
+              <a:schemeClr val="phClr">
+                <a:tint val="37000"/>
+                <a:satMod val="300000"/>
+              </a:schemeClr>
+            </a:gs>
+            <a:gs pos="100000">
+              <a:schemeClr val="phClr">
+                <a:tint val="15000"/>
+                <a:satMod val="350000"/>
+              </a:schemeClr>
+            </a:gs>
+          </a:gsLst>
+          <a:lin ang="16200000" scaled="1"/>
+        </a:gradFill>
+        <a:gradFill rotWithShape="1">
+          <a:gsLst>
+            <a:gs pos="0">
+              <a:schemeClr val="phClr">
+                <a:shade val="51000"/>
+                <a:satMod val="130000"/>
+              </a:schemeClr>
+            </a:gs>
+            <a:gs pos="80000">
+              <a:schemeClr val="phClr">
+                <a:shade val="93000"/>
+                <a:satMod val="130000"/>
+              </a:schemeClr>
+            </a:gs>
+            <a:gs pos="100000">
+              <a:schemeClr val="phClr">
+                <a:shade val="94000"/>
+                <a:satMod val="135000"/>
+              </a:schemeClr>
+            </a:gs>
+          </a:gsLst>
+          <a:lin ang="16200000" scaled="0"/>
+        </a:gradFill>
+      </a:fillStyleLst>
+      <a:lnStyleLst>
+        <a:ln w="9525" cap="flat" cmpd="sng" algn="ctr">
+          <a:solidFill>
+            <a:schemeClr val="phClr">
+              <a:shade val="95000"/>
+              <a:satMod val="105000"/>
+            </a:schemeClr>
+          </a:solidFill>
+          <a:prstDash val="solid"/>
+        </a:ln>
+        <a:ln w="25400" cap="flat" cmpd="sng" algn="ctr">
+          <a:solidFill>
+            <a:schemeClr val="phClr"/>
+          </a:solidFill>
+          <a:prstDash val="solid"/>
+        </a:ln>
+        <a:ln w="38100" cap="flat" cmpd="sng" algn="ctr">
+          <a:solidFill>
+            <a:schemeClr val="phClr"/>
+          </a:solidFill>
+          <a:prstDash val="solid"/>
+        </a:ln>
+      </a:lnStyleLst>
+      <a:effectStyleLst>
+        <a:effectStyle>
+          <a:effectLst>
+            <a:outerShdw blurRad="40000" dist="20000" dir="5400000" rotWithShape="0">
+              <a:srgbClr val="000000">
+                <a:alpha val="38000"/>
+              </a:srgbClr>
+            </a:outerShdw>
+          </a:effectLst>
+        </a:effectStyle>
+        <a:effectStyle>
+          <a:effectLst>
+            <a:outerShdw blurRad="40000" dist="23000" dir="5400000" rotWithShape="0">
+              <a:srgbClr val="000000">
+                <a:alpha val="35000"/>
+              </a:srgbClr>
+            </a:outerShdw>
+          </a:effectLst>
+        </a:effectStyle>
+        <a:effectStyle>
+          <a:effectLst>
+            <a:outerShdw blurRad="40000" dist="23000" dir="5400000" rotWithShape="0">
+              <a:srgbClr val="000000">
+                <a:alpha val="35000"/>
+              </a:srgbClr>
+            </a:outerShdw>
+          </a:effectLst>
+          <a:scene3d>
+            <a:camera prst="orthographicFront">
+              <a:rot lat="0" lon="0" rev="0"/>
+            </a:camera>
+            <a:lightRig rig="threePt" dir="t">
+              <a:rot lat="0" lon="0" rev="1200000"/>
+            </a:lightRig>
+          </a:scene3d>
+          <a:sp3d>
+            <a:bevelT w="63500" h="25400"/>
+          </a:sp3d>
+        </a:effectStyle>
+      </a:effectStyleLst>
+      <a:bgFillStyleLst>
+        <a:solidFill>
+          <a:schemeClr val="phClr"/>
+        </a:solidFill>
+        <a:gradFill rotWithShape="1">
+          <a:gsLst>
+            <a:gs pos="0">
+              <a:schemeClr val="phClr">
+                <a:tint val="40000"/>
+                <a:satMod val="350000"/>
+              </a:schemeClr>
+            </a:gs>
+            <a:gs pos="40000">
+              <a:schemeClr val="phClr">
+                <a:tint val="45000"/>
+                <a:shade val="99000"/>
+                <a:satMod val="350000"/>
+              </a:schemeClr>
+            </a:gs>
+            <a:gs pos="100000">
+              <a:schemeClr val="phClr">
+                <a:shade val="20000"/>
+                <a:satMod val="255000"/>
+              </a:schemeClr>
+            </a:gs>
+          </a:gsLst>
+          <a:path path="circle">
+            <a:fillToRect l="50000" t="-80000" r="50000" b="180000"/>
+          </a:path>
+        </a:gradFill>
+        <a:gradFill rotWithShape="1">
+          <a:gsLst>
+            <a:gs pos="0">
+              <a:schemeClr val="phClr">
+                <a:tint val="80000"/>
+                <a:satMod val="300000"/>
+              </a:schemeClr>
+            </a:gs>
+            <a:gs pos="100000">
+              <a:schemeClr val="phClr">
+                <a:shade val="30000"/>
+                <a:satMod val="200000"/>
+              </a:schemeClr>
+            </a:gs>
+          </a:gsLst>
+          <a:path path="circle">
+            <a:fillToRect l="50000" t="50000" r="50000" b="50000"/>
+          </a:path>
+        </a:gradFill>
+      </a:bgFillStyleLst>
+    </a:fmtScheme>
+  </a:themeElements>
+  <a:objectDefaults/>
+  <a:extraClrSchemeLst/>
+</a:theme>
 </file>
--- a/trunk/OOPExam/05 Windows Control, Events and Event Handlers.pptx
+++ b/trunk/OOPExam/05 Windows Control, Events and Event Handlers.pptx
@@ -5,7 +5,7 @@
     <p:sldMasterId id="2147483648" r:id="rId1"/>
   </p:sldMasterIdLst>
   <p:notesMasterIdLst>
-    <p:notesMasterId r:id="rId11"/>
+    <p:notesMasterId r:id="rId8"/>
   </p:notesMasterIdLst>
   <p:sldIdLst>
     <p:sldId id="256" r:id="rId2"/>
@@ -13,10 +13,7 @@
     <p:sldId id="261" r:id="rId4"/>
     <p:sldId id="259" r:id="rId5"/>
     <p:sldId id="258" r:id="rId6"/>
-    <p:sldId id="264" r:id="rId7"/>
-    <p:sldId id="262" r:id="rId8"/>
-    <p:sldId id="260" r:id="rId9"/>
-    <p:sldId id="263" r:id="rId10"/>
+    <p:sldId id="262" r:id="rId7"/>
   </p:sldIdLst>
   <p:sldSz cx="9144000" cy="6858000" type="screen4x3"/>
   <p:notesSz cx="6858000" cy="9144000"/>
@@ -200,7 +197,8 @@
           <a:p>
             <a:fld id="{B51B59D1-7E4C-4C49-B133-6B97AFF35FCA}" type="datetimeFigureOut">
               <a:rPr lang="en-US" smtClean="0"/>
-              <a:t>1/12/2010</a:t>
+              <a:pPr/>
+              <a:t>1/20/2010</a:t>
             </a:fld>
             <a:endParaRPr lang="en-US"/>
           </a:p>
@@ -361,7 +359,8 @@
           <a:p>
             <a:fld id="{9AF4F8FE-1D9F-4EDC-9CB0-F991A3D1F10C}" type="slidenum">
               <a:rPr lang="en-US" smtClean="0"/>
-              <a:t>‹#›</a:t>
+              <a:pPr/>
+              <a:t>‹nr.›</a:t>
             </a:fld>
             <a:endParaRPr lang="en-US"/>
           </a:p>
@@ -621,7 +620,333 @@
           <a:p>
             <a:fld id="{9AF4F8FE-1D9F-4EDC-9CB0-F991A3D1F10C}" type="slidenum">
               <a:rPr lang="en-US" smtClean="0"/>
+              <a:pPr/>
               <a:t>1</a:t>
+            </a:fld>
+            <a:endParaRPr lang="en-US"/>
+          </a:p>
+        </p:txBody>
+      </p:sp>
+    </p:spTree>
+  </p:cSld>
+  <p:clrMapOvr>
+    <a:masterClrMapping/>
+  </p:clrMapOvr>
+</p:notes>
+</file>
+
+<file path=ppt/notesSlides/notesSlide2.xml><?xml version="1.0" encoding="utf-8"?>
+<p:notes xmlns:a="http://schemas.openxmlformats.org/drawingml/2006/main" xmlns:r="http://schemas.openxmlformats.org/officeDocument/2006/relationships" xmlns:p="http://schemas.openxmlformats.org/presentationml/2006/main">
+  <p:cSld>
+    <p:spTree>
+      <p:nvGrpSpPr>
+        <p:cNvPr id="1" name=""/>
+        <p:cNvGrpSpPr/>
+        <p:nvPr/>
+      </p:nvGrpSpPr>
+      <p:grpSpPr>
+        <a:xfrm>
+          <a:off x="0" y="0"/>
+          <a:ext cx="0" cy="0"/>
+          <a:chOff x="0" y="0"/>
+          <a:chExt cx="0" cy="0"/>
+        </a:xfrm>
+      </p:grpSpPr>
+      <p:sp>
+        <p:nvSpPr>
+          <p:cNvPr id="2" name="Pladsholder til diasbillede 1"/>
+          <p:cNvSpPr>
+            <a:spLocks noGrp="1" noRot="1" noChangeAspect="1"/>
+          </p:cNvSpPr>
+          <p:nvPr>
+            <p:ph type="sldImg"/>
+          </p:nvPr>
+        </p:nvSpPr>
+        <p:spPr/>
+      </p:sp>
+      <p:sp>
+        <p:nvSpPr>
+          <p:cNvPr id="3" name="Pladsholder til noter 2"/>
+          <p:cNvSpPr>
+            <a:spLocks noGrp="1"/>
+          </p:cNvSpPr>
+          <p:nvPr>
+            <p:ph type="body" idx="1"/>
+          </p:nvPr>
+        </p:nvSpPr>
+        <p:spPr/>
+        <p:txBody>
+          <a:bodyPr>
+            <a:normAutofit/>
+          </a:bodyPr>
+          <a:lstStyle/>
+          <a:p>
+            <a:r>
+              <a:rPr lang="en-US" sz="1200" kern="1200" baseline="0" dirty="0" smtClean="0">
+                <a:solidFill>
+                  <a:schemeClr val="tx1"/>
+                </a:solidFill>
+                <a:latin typeface="+mn-lt"/>
+                <a:ea typeface="+mn-ea"/>
+                <a:cs typeface="+mn-cs"/>
+              </a:rPr>
+              <a:t>An </a:t>
+            </a:r>
+            <a:r>
+              <a:rPr lang="en-US" sz="1200" i="1" kern="1200" baseline="0" dirty="0" smtClean="0">
+                <a:solidFill>
+                  <a:schemeClr val="tx1"/>
+                </a:solidFill>
+                <a:latin typeface="+mn-lt"/>
+                <a:ea typeface="+mn-ea"/>
+                <a:cs typeface="+mn-cs"/>
+              </a:rPr>
+              <a:t>event, in event-driven programming (like Windows!), is when something happens—</a:t>
+            </a:r>
+          </a:p>
+          <a:p>
+            <a:r>
+              <a:rPr lang="en-US" sz="1200" kern="1200" baseline="0" dirty="0" smtClean="0">
+                <a:solidFill>
+                  <a:schemeClr val="tx1"/>
+                </a:solidFill>
+                <a:latin typeface="+mn-lt"/>
+                <a:ea typeface="+mn-ea"/>
+                <a:cs typeface="+mn-cs"/>
+              </a:rPr>
+              <a:t>often as a result of user action, but at times as a result of a change in system</a:t>
+            </a:r>
+          </a:p>
+          <a:p>
+            <a:r>
+              <a:rPr lang="en-US" sz="1200" kern="1200" baseline="0" dirty="0" smtClean="0">
+                <a:solidFill>
+                  <a:schemeClr val="tx1"/>
+                </a:solidFill>
+                <a:latin typeface="+mn-lt"/>
+                <a:ea typeface="+mn-ea"/>
+                <a:cs typeface="+mn-cs"/>
+              </a:rPr>
+              <a:t>state or a result of a message begin received from outside the system (e.g., via the</a:t>
+            </a:r>
+          </a:p>
+          <a:p>
+            <a:r>
+              <a:rPr lang="en-US" sz="1200" kern="1200" baseline="0" dirty="0" smtClean="0">
+                <a:solidFill>
+                  <a:schemeClr val="tx1"/>
+                </a:solidFill>
+                <a:latin typeface="+mn-lt"/>
+                <a:ea typeface="+mn-ea"/>
+                <a:cs typeface="+mn-cs"/>
+              </a:rPr>
+              <a:t>Internet).</a:t>
+            </a:r>
+          </a:p>
+          <a:p>
+            <a:endParaRPr lang="en-US" sz="1200" kern="1200" baseline="0" dirty="0" smtClean="0">
+              <a:solidFill>
+                <a:schemeClr val="tx1"/>
+              </a:solidFill>
+              <a:latin typeface="+mn-lt"/>
+              <a:ea typeface="+mn-ea"/>
+              <a:cs typeface="+mn-cs"/>
+            </a:endParaRPr>
+          </a:p>
+          <a:p>
+            <a:pPr marL="0" marR="0" indent="0" algn="l" defTabSz="914400" rtl="0" eaLnBrk="1" fontAlgn="auto" latinLnBrk="0" hangingPunct="1">
+              <a:lnSpc>
+                <a:spcPct val="100000"/>
+              </a:lnSpc>
+              <a:spcBef>
+                <a:spcPts val="0"/>
+              </a:spcBef>
+              <a:spcAft>
+                <a:spcPts val="0"/>
+              </a:spcAft>
+              <a:buClrTx/>
+              <a:buSzTx/>
+              <a:buFontTx/>
+              <a:buNone/>
+              <a:tabLst/>
+              <a:defRPr/>
+            </a:pPr>
+            <a:r>
+              <a:rPr lang="en-US" sz="1200" dirty="0" smtClean="0"/>
+              <a:t>An </a:t>
+            </a:r>
+            <a:r>
+              <a:rPr lang="en-US" sz="1200" i="1" dirty="0" smtClean="0"/>
+              <a:t>event</a:t>
+            </a:r>
+            <a:r>
+              <a:rPr lang="en-US" sz="1200" dirty="0" smtClean="0"/>
+              <a:t> is an object that represents some activity to which we may want to respond</a:t>
+            </a:r>
+          </a:p>
+          <a:p>
+            <a:pPr marL="0" marR="0" indent="0" algn="l" defTabSz="914400" rtl="0" eaLnBrk="1" fontAlgn="auto" latinLnBrk="0" hangingPunct="1">
+              <a:lnSpc>
+                <a:spcPct val="100000"/>
+              </a:lnSpc>
+              <a:spcBef>
+                <a:spcPts val="0"/>
+              </a:spcBef>
+              <a:spcAft>
+                <a:spcPts val="0"/>
+              </a:spcAft>
+              <a:buClrTx/>
+              <a:buSzTx/>
+              <a:buFontTx/>
+              <a:buNone/>
+              <a:tabLst/>
+              <a:defRPr/>
+            </a:pPr>
+            <a:r>
+              <a:rPr lang="en-US" sz="1200" dirty="0" smtClean="0"/>
+              <a:t>Events often correspond to user actions, but not always</a:t>
+            </a:r>
+          </a:p>
+          <a:p>
+            <a:endParaRPr lang="en-US" sz="1200" kern="1200" baseline="0" dirty="0" smtClean="0">
+              <a:solidFill>
+                <a:schemeClr val="tx1"/>
+              </a:solidFill>
+              <a:latin typeface="+mn-lt"/>
+              <a:ea typeface="+mn-ea"/>
+              <a:cs typeface="+mn-cs"/>
+            </a:endParaRPr>
+          </a:p>
+          <a:p>
+            <a:endParaRPr lang="en-US" dirty="0"/>
+          </a:p>
+        </p:txBody>
+      </p:sp>
+      <p:sp>
+        <p:nvSpPr>
+          <p:cNvPr id="4" name="Pladsholder til diasnummer 3"/>
+          <p:cNvSpPr>
+            <a:spLocks noGrp="1"/>
+          </p:cNvSpPr>
+          <p:nvPr>
+            <p:ph type="sldNum" sz="quarter" idx="10"/>
+          </p:nvPr>
+        </p:nvSpPr>
+        <p:spPr/>
+        <p:txBody>
+          <a:bodyPr/>
+          <a:lstStyle/>
+          <a:p>
+            <a:fld id="{9AF4F8FE-1D9F-4EDC-9CB0-F991A3D1F10C}" type="slidenum">
+              <a:rPr lang="en-US" smtClean="0"/>
+              <a:pPr/>
+              <a:t>4</a:t>
+            </a:fld>
+            <a:endParaRPr lang="en-US"/>
+          </a:p>
+        </p:txBody>
+      </p:sp>
+    </p:spTree>
+  </p:cSld>
+  <p:clrMapOvr>
+    <a:masterClrMapping/>
+  </p:clrMapOvr>
+</p:notes>
+</file>
+
+<file path=ppt/notesSlides/notesSlide3.xml><?xml version="1.0" encoding="utf-8"?>
+<p:notes xmlns:a="http://schemas.openxmlformats.org/drawingml/2006/main" xmlns:r="http://schemas.openxmlformats.org/officeDocument/2006/relationships" xmlns:p="http://schemas.openxmlformats.org/presentationml/2006/main">
+  <p:cSld>
+    <p:spTree>
+      <p:nvGrpSpPr>
+        <p:cNvPr id="1" name=""/>
+        <p:cNvGrpSpPr/>
+        <p:nvPr/>
+      </p:nvGrpSpPr>
+      <p:grpSpPr>
+        <a:xfrm>
+          <a:off x="0" y="0"/>
+          <a:ext cx="0" cy="0"/>
+          <a:chOff x="0" y="0"/>
+          <a:chExt cx="0" cy="0"/>
+        </a:xfrm>
+      </p:grpSpPr>
+      <p:sp>
+        <p:nvSpPr>
+          <p:cNvPr id="2" name="Pladsholder til diasbillede 1"/>
+          <p:cNvSpPr>
+            <a:spLocks noGrp="1" noRot="1" noChangeAspect="1"/>
+          </p:cNvSpPr>
+          <p:nvPr>
+            <p:ph type="sldImg"/>
+          </p:nvPr>
+        </p:nvSpPr>
+        <p:spPr/>
+      </p:sp>
+      <p:sp>
+        <p:nvSpPr>
+          <p:cNvPr id="3" name="Pladsholder til noter 2"/>
+          <p:cNvSpPr>
+            <a:spLocks noGrp="1"/>
+          </p:cNvSpPr>
+          <p:nvPr>
+            <p:ph type="body" idx="1"/>
+          </p:nvPr>
+        </p:nvSpPr>
+        <p:spPr/>
+        <p:txBody>
+          <a:bodyPr>
+            <a:normAutofit/>
+          </a:bodyPr>
+          <a:lstStyle/>
+          <a:p>
+            <a:r>
+              <a:rPr lang="en-US" dirty="0" smtClean="0"/>
+              <a:t>The</a:t>
+            </a:r>
+            <a:r>
+              <a:rPr lang="en-US" baseline="0" dirty="0" smtClean="0"/>
+              <a:t> </a:t>
+            </a:r>
+            <a:r>
+              <a:rPr lang="en-US" baseline="0" dirty="0" err="1" smtClean="0"/>
+              <a:t>SaveLog_Click</a:t>
+            </a:r>
+            <a:r>
+              <a:rPr lang="en-US" baseline="0" dirty="0" smtClean="0"/>
+              <a:t> event handler is listening for a mouse click on the Save Log button, which generates a </a:t>
+            </a:r>
+            <a:r>
+              <a:rPr lang="en-US" baseline="0" dirty="0" err="1" smtClean="0"/>
+              <a:t>SaveLog_Click</a:t>
+            </a:r>
+            <a:r>
+              <a:rPr lang="en-US" baseline="0" dirty="0" smtClean="0"/>
+              <a:t> event. The event handler then saves what is in the BlackJack.tmp file to BlackJackLog.txt file.</a:t>
+            </a:r>
+            <a:endParaRPr lang="en-US" dirty="0"/>
+          </a:p>
+        </p:txBody>
+      </p:sp>
+      <p:sp>
+        <p:nvSpPr>
+          <p:cNvPr id="4" name="Pladsholder til diasnummer 3"/>
+          <p:cNvSpPr>
+            <a:spLocks noGrp="1"/>
+          </p:cNvSpPr>
+          <p:nvPr>
+            <p:ph type="sldNum" sz="quarter" idx="10"/>
+          </p:nvPr>
+        </p:nvSpPr>
+        <p:spPr/>
+        <p:txBody>
+          <a:bodyPr/>
+          <a:lstStyle/>
+          <a:p>
+            <a:fld id="{9AF4F8FE-1D9F-4EDC-9CB0-F991A3D1F10C}" type="slidenum">
+              <a:rPr lang="en-US" smtClean="0"/>
+              <a:pPr/>
+              <a:t>5</a:t>
             </a:fld>
             <a:endParaRPr lang="en-US"/>
           </a:p>
@@ -817,7 +1142,7 @@
             <a:fld id="{3E57D7DC-7299-43C9-BAE2-F335855B8707}" type="datetimeFigureOut">
               <a:rPr lang="en-US" smtClean="0"/>
               <a:pPr/>
-              <a:t>1/12/2010</a:t>
+              <a:t>1/20/2010</a:t>
             </a:fld>
             <a:endParaRPr lang="da-DK"/>
           </a:p>
@@ -860,7 +1185,7 @@
             <a:fld id="{DD09C360-10AD-4B5E-BF9F-FAB61C3D4D92}" type="slidenum">
               <a:rPr lang="da-DK" smtClean="0"/>
               <a:pPr/>
-              <a:t>‹#›</a:t>
+              <a:t>‹nr.›</a:t>
             </a:fld>
             <a:endParaRPr lang="da-DK"/>
           </a:p>
@@ -984,7 +1309,7 @@
             <a:fld id="{3E57D7DC-7299-43C9-BAE2-F335855B8707}" type="datetimeFigureOut">
               <a:rPr lang="en-US" smtClean="0"/>
               <a:pPr/>
-              <a:t>1/12/2010</a:t>
+              <a:t>1/20/2010</a:t>
             </a:fld>
             <a:endParaRPr lang="da-DK"/>
           </a:p>
@@ -1027,7 +1352,7 @@
             <a:fld id="{DD09C360-10AD-4B5E-BF9F-FAB61C3D4D92}" type="slidenum">
               <a:rPr lang="da-DK" smtClean="0"/>
               <a:pPr/>
-              <a:t>‹#›</a:t>
+              <a:t>‹nr.›</a:t>
             </a:fld>
             <a:endParaRPr lang="da-DK"/>
           </a:p>
@@ -1161,7 +1486,7 @@
             <a:fld id="{3E57D7DC-7299-43C9-BAE2-F335855B8707}" type="datetimeFigureOut">
               <a:rPr lang="en-US" smtClean="0"/>
               <a:pPr/>
-              <a:t>1/12/2010</a:t>
+              <a:t>1/20/2010</a:t>
             </a:fld>
             <a:endParaRPr lang="da-DK"/>
           </a:p>
@@ -1204,7 +1529,7 @@
             <a:fld id="{DD09C360-10AD-4B5E-BF9F-FAB61C3D4D92}" type="slidenum">
               <a:rPr lang="da-DK" smtClean="0"/>
               <a:pPr/>
-              <a:t>‹#›</a:t>
+              <a:t>‹nr.›</a:t>
             </a:fld>
             <a:endParaRPr lang="da-DK"/>
           </a:p>
@@ -1328,7 +1653,7 @@
             <a:fld id="{3E57D7DC-7299-43C9-BAE2-F335855B8707}" type="datetimeFigureOut">
               <a:rPr lang="en-US" smtClean="0"/>
               <a:pPr/>
-              <a:t>1/12/2010</a:t>
+              <a:t>1/20/2010</a:t>
             </a:fld>
             <a:endParaRPr lang="da-DK"/>
           </a:p>
@@ -1371,7 +1696,7 @@
             <a:fld id="{DD09C360-10AD-4B5E-BF9F-FAB61C3D4D92}" type="slidenum">
               <a:rPr lang="da-DK" smtClean="0"/>
               <a:pPr/>
-              <a:t>‹#›</a:t>
+              <a:t>‹nr.›</a:t>
             </a:fld>
             <a:endParaRPr lang="da-DK"/>
           </a:p>
@@ -1571,7 +1896,7 @@
             <a:fld id="{3E57D7DC-7299-43C9-BAE2-F335855B8707}" type="datetimeFigureOut">
               <a:rPr lang="en-US" smtClean="0"/>
               <a:pPr/>
-              <a:t>1/12/2010</a:t>
+              <a:t>1/20/2010</a:t>
             </a:fld>
             <a:endParaRPr lang="da-DK"/>
           </a:p>
@@ -1614,7 +1939,7 @@
             <a:fld id="{DD09C360-10AD-4B5E-BF9F-FAB61C3D4D92}" type="slidenum">
               <a:rPr lang="da-DK" smtClean="0"/>
               <a:pPr/>
-              <a:t>‹#›</a:t>
+              <a:t>‹nr.›</a:t>
             </a:fld>
             <a:endParaRPr lang="da-DK"/>
           </a:p>
@@ -1856,7 +2181,7 @@
             <a:fld id="{3E57D7DC-7299-43C9-BAE2-F335855B8707}" type="datetimeFigureOut">
               <a:rPr lang="en-US" smtClean="0"/>
               <a:pPr/>
-              <a:t>1/12/2010</a:t>
+              <a:t>1/20/2010</a:t>
             </a:fld>
             <a:endParaRPr lang="da-DK"/>
           </a:p>
@@ -1899,7 +2224,7 @@
             <a:fld id="{DD09C360-10AD-4B5E-BF9F-FAB61C3D4D92}" type="slidenum">
               <a:rPr lang="da-DK" smtClean="0"/>
               <a:pPr/>
-              <a:t>‹#›</a:t>
+              <a:t>‹nr.›</a:t>
             </a:fld>
             <a:endParaRPr lang="da-DK"/>
           </a:p>
@@ -2275,7 +2600,7 @@
             <a:fld id="{3E57D7DC-7299-43C9-BAE2-F335855B8707}" type="datetimeFigureOut">
               <a:rPr lang="en-US" smtClean="0"/>
               <a:pPr/>
-              <a:t>1/12/2010</a:t>
+              <a:t>1/20/2010</a:t>
             </a:fld>
             <a:endParaRPr lang="da-DK"/>
           </a:p>
@@ -2318,7 +2643,7 @@
             <a:fld id="{DD09C360-10AD-4B5E-BF9F-FAB61C3D4D92}" type="slidenum">
               <a:rPr lang="da-DK" smtClean="0"/>
               <a:pPr/>
-              <a:t>‹#›</a:t>
+              <a:t>‹nr.›</a:t>
             </a:fld>
             <a:endParaRPr lang="da-DK"/>
           </a:p>
@@ -2390,7 +2715,7 @@
             <a:fld id="{3E57D7DC-7299-43C9-BAE2-F335855B8707}" type="datetimeFigureOut">
               <a:rPr lang="en-US" smtClean="0"/>
               <a:pPr/>
-              <a:t>1/12/2010</a:t>
+              <a:t>1/20/2010</a:t>
             </a:fld>
             <a:endParaRPr lang="da-DK"/>
           </a:p>
@@ -2433,7 +2758,7 @@
             <a:fld id="{DD09C360-10AD-4B5E-BF9F-FAB61C3D4D92}" type="slidenum">
               <a:rPr lang="da-DK" smtClean="0"/>
               <a:pPr/>
-              <a:t>‹#›</a:t>
+              <a:t>‹nr.›</a:t>
             </a:fld>
             <a:endParaRPr lang="da-DK"/>
           </a:p>
@@ -2482,7 +2807,7 @@
             <a:fld id="{3E57D7DC-7299-43C9-BAE2-F335855B8707}" type="datetimeFigureOut">
               <a:rPr lang="en-US" smtClean="0"/>
               <a:pPr/>
-              <a:t>1/12/2010</a:t>
+              <a:t>1/20/2010</a:t>
             </a:fld>
             <a:endParaRPr lang="da-DK"/>
           </a:p>
@@ -2525,7 +2850,7 @@
             <a:fld id="{DD09C360-10AD-4B5E-BF9F-FAB61C3D4D92}" type="slidenum">
               <a:rPr lang="da-DK" smtClean="0"/>
               <a:pPr/>
-              <a:t>‹#›</a:t>
+              <a:t>‹nr.›</a:t>
             </a:fld>
             <a:endParaRPr lang="da-DK"/>
           </a:p>
@@ -2756,7 +3081,7 @@
             <a:fld id="{3E57D7DC-7299-43C9-BAE2-F335855B8707}" type="datetimeFigureOut">
               <a:rPr lang="en-US" smtClean="0"/>
               <a:pPr/>
-              <a:t>1/12/2010</a:t>
+              <a:t>1/20/2010</a:t>
             </a:fld>
             <a:endParaRPr lang="da-DK"/>
           </a:p>
@@ -2799,7 +3124,7 @@
             <a:fld id="{DD09C360-10AD-4B5E-BF9F-FAB61C3D4D92}" type="slidenum">
               <a:rPr lang="da-DK" smtClean="0"/>
               <a:pPr/>
-              <a:t>‹#›</a:t>
+              <a:t>‹nr.›</a:t>
             </a:fld>
             <a:endParaRPr lang="da-DK"/>
           </a:p>
@@ -3006,7 +3331,7 @@
             <a:fld id="{3E57D7DC-7299-43C9-BAE2-F335855B8707}" type="datetimeFigureOut">
               <a:rPr lang="en-US" smtClean="0"/>
               <a:pPr/>
-              <a:t>1/12/2010</a:t>
+              <a:t>1/20/2010</a:t>
             </a:fld>
             <a:endParaRPr lang="da-DK"/>
           </a:p>
@@ -3049,7 +3374,7 @@
             <a:fld id="{DD09C360-10AD-4B5E-BF9F-FAB61C3D4D92}" type="slidenum">
               <a:rPr lang="da-DK" smtClean="0"/>
               <a:pPr/>
-              <a:t>‹#›</a:t>
+              <a:t>‹nr.›</a:t>
             </a:fld>
             <a:endParaRPr lang="da-DK"/>
           </a:p>
@@ -3216,7 +3541,7 @@
             <a:fld id="{3E57D7DC-7299-43C9-BAE2-F335855B8707}" type="datetimeFigureOut">
               <a:rPr lang="en-US" smtClean="0"/>
               <a:pPr/>
-              <a:t>1/12/2010</a:t>
+              <a:t>1/20/2010</a:t>
             </a:fld>
             <a:endParaRPr lang="da-DK"/>
           </a:p>
@@ -3295,7 +3620,7 @@
             <a:fld id="{DD09C360-10AD-4B5E-BF9F-FAB61C3D4D92}" type="slidenum">
               <a:rPr lang="da-DK" smtClean="0"/>
               <a:pPr/>
-              <a:t>‹#›</a:t>
+              <a:t>‹nr.›</a:t>
             </a:fld>
             <a:endParaRPr lang="da-DK"/>
           </a:p>
@@ -3673,7 +3998,7 @@
           <a:p>
             <a:r>
               <a:rPr lang="en-US" dirty="0" smtClean="0"/>
-              <a:t>Class</a:t>
+              <a:t>Windows Control</a:t>
             </a:r>
             <a:endParaRPr lang="en-US" dirty="0"/>
           </a:p>
@@ -3740,7 +4065,7 @@
           <a:p>
             <a:r>
               <a:rPr lang="en-US" dirty="0" smtClean="0"/>
-              <a:t>Class Example and Visibility</a:t>
+              <a:t>Windows Control example</a:t>
             </a:r>
             <a:endParaRPr lang="en-US" dirty="0"/>
           </a:p>
@@ -3800,7 +4125,7 @@
           <p:nvPr/>
         </p:nvPicPr>
         <p:blipFill>
-          <a:blip r:embed="rId2"/>
+          <a:blip r:embed="rId2" cstate="print"/>
           <a:srcRect/>
           <a:stretch>
             <a:fillRect/>
@@ -3866,7 +4191,7 @@
           <a:p>
             <a:r>
               <a:rPr lang="en-US" dirty="0" smtClean="0"/>
-              <a:t>Interfaces</a:t>
+              <a:t>Events and Event Handlers</a:t>
             </a:r>
             <a:endParaRPr lang="en-US" dirty="0"/>
           </a:p>
@@ -3889,63 +4214,18 @@
           <a:p>
             <a:r>
               <a:rPr lang="en-US" dirty="0" smtClean="0"/>
-              <a:t>“An </a:t>
-            </a:r>
-            <a:r>
-              <a:rPr lang="en-US" i="1" dirty="0" smtClean="0"/>
-              <a:t>interface is a contract that guarantees to a client how a class will behave”</a:t>
-            </a:r>
-          </a:p>
-          <a:p>
-            <a:endParaRPr lang="en-US" i="1" dirty="0" smtClean="0"/>
+              <a:t>What is an event</a:t>
+            </a:r>
           </a:p>
           <a:p>
             <a:r>
               <a:rPr lang="en-US" dirty="0" smtClean="0"/>
-              <a:t>A Class can implement more the one interface</a:t>
-            </a:r>
-          </a:p>
-          <a:p>
-            <a:r>
-              <a:rPr lang="en-US" dirty="0" smtClean="0"/>
-              <a:t>Interfaces can be extended and combined</a:t>
-            </a:r>
-          </a:p>
-        </p:txBody>
-      </p:sp>
-      <p:pic>
-        <p:nvPicPr>
-          <p:cNvPr id="2050" name="Picture 2"/>
-          <p:cNvPicPr>
-            <a:picLocks noChangeAspect="1" noChangeArrowheads="1"/>
-          </p:cNvPicPr>
-          <p:nvPr/>
-        </p:nvPicPr>
-        <p:blipFill>
-          <a:blip r:embed="rId2"/>
-          <a:srcRect/>
-          <a:stretch>
-            <a:fillRect/>
-          </a:stretch>
-        </p:blipFill>
-        <p:spPr bwMode="auto">
-          <a:xfrm>
-            <a:off x="3000364" y="5286388"/>
-            <a:ext cx="2967818" cy="1104902"/>
-          </a:xfrm>
-          <a:prstGeom prst="rect">
-            <a:avLst/>
-          </a:prstGeom>
-          <a:noFill/>
-          <a:ln w="9525">
-            <a:noFill/>
-            <a:miter lim="800000"/>
-            <a:headEnd/>
-            <a:tailEnd/>
-          </a:ln>
-          <a:effectLst/>
-        </p:spPr>
-      </p:pic>
+              <a:t>What is an event handler</a:t>
+            </a:r>
+            <a:endParaRPr lang="en-US" dirty="0" smtClean="0"/>
+          </a:p>
+        </p:txBody>
+      </p:sp>
     </p:spTree>
   </p:cSld>
   <p:clrMapOvr>
@@ -3988,7 +4268,7 @@
           <a:p>
             <a:r>
               <a:rPr lang="en-US" dirty="0" smtClean="0"/>
-              <a:t>Abstract Class</a:t>
+              <a:t>Events example</a:t>
             </a:r>
             <a:endParaRPr lang="en-US" dirty="0"/>
           </a:p>
@@ -4006,10 +4286,246 @@
         </p:nvSpPr>
         <p:spPr/>
         <p:txBody>
-          <a:bodyPr/>
-          <a:lstStyle/>
-          <a:p>
-            <a:endParaRPr lang="da-DK"/>
+          <a:bodyPr>
+            <a:normAutofit/>
+          </a:bodyPr>
+          <a:lstStyle/>
+          <a:p>
+            <a:pPr>
+              <a:buNone/>
+            </a:pPr>
+            <a:r>
+              <a:rPr lang="da-DK" sz="1200" dirty="0" err="1" smtClean="0"/>
+              <a:t>namespace</a:t>
+            </a:r>
+            <a:r>
+              <a:rPr lang="da-DK" sz="1200" dirty="0" smtClean="0"/>
+              <a:t> </a:t>
+            </a:r>
+            <a:r>
+              <a:rPr lang="da-DK" sz="1200" dirty="0" err="1" smtClean="0"/>
+              <a:t>BlackJackGUI</a:t>
+            </a:r>
+            <a:endParaRPr lang="da-DK" sz="1200" dirty="0" smtClean="0"/>
+          </a:p>
+          <a:p>
+            <a:pPr>
+              <a:buNone/>
+            </a:pPr>
+            <a:r>
+              <a:rPr lang="da-DK" sz="1200" dirty="0" smtClean="0"/>
+              <a:t>{</a:t>
+            </a:r>
+          </a:p>
+          <a:p>
+            <a:pPr>
+              <a:buNone/>
+            </a:pPr>
+            <a:r>
+              <a:rPr lang="en-US" sz="1200" dirty="0" smtClean="0"/>
+              <a:t>    public partial class </a:t>
+            </a:r>
+            <a:r>
+              <a:rPr lang="en-US" sz="1200" dirty="0" err="1" smtClean="0"/>
+              <a:t>BlackJackWindow</a:t>
+            </a:r>
+            <a:r>
+              <a:rPr lang="en-US" sz="1200" dirty="0" smtClean="0"/>
+              <a:t> : Form</a:t>
+            </a:r>
+          </a:p>
+          <a:p>
+            <a:pPr>
+              <a:buNone/>
+            </a:pPr>
+            <a:r>
+              <a:rPr lang="da-DK" sz="1200" dirty="0" smtClean="0"/>
+              <a:t>    {</a:t>
+            </a:r>
+          </a:p>
+          <a:p>
+            <a:pPr>
+              <a:buNone/>
+            </a:pPr>
+            <a:r>
+              <a:rPr lang="da-DK" sz="1200" dirty="0" smtClean="0"/>
+              <a:t>        public </a:t>
+            </a:r>
+            <a:r>
+              <a:rPr lang="da-DK" sz="1200" dirty="0" err="1" smtClean="0"/>
+              <a:t>BlackJackWindow</a:t>
+            </a:r>
+            <a:r>
+              <a:rPr lang="da-DK" sz="1200" dirty="0" smtClean="0"/>
+              <a:t>()</a:t>
+            </a:r>
+          </a:p>
+          <a:p>
+            <a:pPr>
+              <a:buNone/>
+            </a:pPr>
+            <a:r>
+              <a:rPr lang="da-DK" sz="1200" dirty="0" smtClean="0"/>
+              <a:t>        {</a:t>
+            </a:r>
+          </a:p>
+          <a:p>
+            <a:pPr>
+              <a:buNone/>
+            </a:pPr>
+            <a:r>
+              <a:rPr lang="da-DK" sz="1200" dirty="0" smtClean="0"/>
+              <a:t>            </a:t>
+            </a:r>
+            <a:r>
+              <a:rPr lang="da-DK" sz="1200" dirty="0" err="1" smtClean="0"/>
+              <a:t>InitializeComponent</a:t>
+            </a:r>
+            <a:r>
+              <a:rPr lang="da-DK" sz="1200" dirty="0" smtClean="0"/>
+              <a:t>();</a:t>
+            </a:r>
+          </a:p>
+          <a:p>
+            <a:pPr>
+              <a:buNone/>
+            </a:pPr>
+            <a:r>
+              <a:rPr lang="da-DK" sz="1200" dirty="0" smtClean="0"/>
+              <a:t>            </a:t>
+            </a:r>
+            <a:r>
+              <a:rPr lang="da-DK" sz="1200" dirty="0" err="1" smtClean="0"/>
+              <a:t>textBoxGame.AppendText</a:t>
+            </a:r>
+            <a:r>
+              <a:rPr lang="da-DK" sz="1200" dirty="0" smtClean="0"/>
+              <a:t>("♠ ♣ ♥ ♦ </a:t>
+            </a:r>
+            <a:r>
+              <a:rPr lang="da-DK" sz="1200" dirty="0" err="1" smtClean="0"/>
+              <a:t>BlackJack:\n</a:t>
+            </a:r>
+            <a:r>
+              <a:rPr lang="da-DK" sz="1200" dirty="0" smtClean="0"/>
+              <a:t>");   </a:t>
+            </a:r>
+          </a:p>
+          <a:p>
+            <a:pPr>
+              <a:buNone/>
+            </a:pPr>
+            <a:r>
+              <a:rPr lang="da-DK" sz="1200" dirty="0" smtClean="0"/>
+              <a:t>        </a:t>
+            </a:r>
+            <a:r>
+              <a:rPr lang="da-DK" sz="1200" dirty="0" smtClean="0"/>
+              <a:t>}</a:t>
+            </a:r>
+          </a:p>
+          <a:p>
+            <a:pPr>
+              <a:buNone/>
+            </a:pPr>
+            <a:r>
+              <a:rPr lang="en-US" sz="1200" dirty="0" smtClean="0"/>
+              <a:t> 	private </a:t>
+            </a:r>
+            <a:r>
+              <a:rPr lang="en-US" sz="1200" dirty="0" smtClean="0"/>
+              <a:t>void </a:t>
+            </a:r>
+            <a:r>
+              <a:rPr lang="en-US" sz="1200" dirty="0" err="1" smtClean="0"/>
+              <a:t>SaveLog_Click</a:t>
+            </a:r>
+            <a:r>
+              <a:rPr lang="en-US" sz="1200" dirty="0" smtClean="0"/>
+              <a:t>(object sender, </a:t>
+            </a:r>
+            <a:r>
+              <a:rPr lang="en-US" sz="1200" dirty="0" err="1" smtClean="0"/>
+              <a:t>EventArgs</a:t>
+            </a:r>
+            <a:r>
+              <a:rPr lang="en-US" sz="1200" dirty="0" smtClean="0"/>
+              <a:t> e)</a:t>
+            </a:r>
+          </a:p>
+          <a:p>
+            <a:pPr>
+              <a:buNone/>
+            </a:pPr>
+            <a:r>
+              <a:rPr lang="da-DK" sz="1200" dirty="0" smtClean="0"/>
+              <a:t>        {</a:t>
+            </a:r>
+          </a:p>
+          <a:p>
+            <a:pPr>
+              <a:buNone/>
+            </a:pPr>
+            <a:r>
+              <a:rPr lang="da-DK" sz="1200" dirty="0" smtClean="0"/>
+              <a:t>           </a:t>
+            </a:r>
+            <a:r>
+              <a:rPr lang="da-DK" sz="1200" dirty="0" smtClean="0"/>
+              <a:t>	 </a:t>
+            </a:r>
+            <a:r>
+              <a:rPr lang="da-DK" sz="1200" dirty="0" err="1" smtClean="0"/>
+              <a:t>File.Copy</a:t>
+            </a:r>
+            <a:r>
+              <a:rPr lang="da-DK" sz="1200" dirty="0" smtClean="0"/>
+              <a:t>(@"../../</a:t>
+            </a:r>
+            <a:r>
+              <a:rPr lang="da-DK" sz="1200" dirty="0" err="1" smtClean="0"/>
+              <a:t>BlackJack.tmp</a:t>
+            </a:r>
+            <a:r>
+              <a:rPr lang="da-DK" sz="1200" dirty="0" smtClean="0"/>
+              <a:t>", @"../../</a:t>
+            </a:r>
+            <a:r>
+              <a:rPr lang="da-DK" sz="1200" dirty="0" err="1" smtClean="0"/>
+              <a:t>BlackJackLog.txt",true</a:t>
+            </a:r>
+            <a:r>
+              <a:rPr lang="da-DK" sz="1200" dirty="0" smtClean="0"/>
+              <a:t>);</a:t>
+            </a:r>
+          </a:p>
+          <a:p>
+            <a:pPr>
+              <a:buNone/>
+            </a:pPr>
+            <a:r>
+              <a:rPr lang="da-DK" sz="1200" dirty="0" smtClean="0"/>
+              <a:t>     </a:t>
+            </a:r>
+            <a:r>
+              <a:rPr lang="da-DK" sz="1200" dirty="0" smtClean="0"/>
+              <a:t>}</a:t>
+            </a:r>
+          </a:p>
+          <a:p>
+            <a:pPr>
+              <a:buNone/>
+            </a:pPr>
+            <a:r>
+              <a:rPr lang="da-DK" sz="1200" dirty="0" smtClean="0"/>
+              <a:t>}</a:t>
+            </a:r>
+          </a:p>
+          <a:p>
+            <a:pPr>
+              <a:buNone/>
+            </a:pPr>
+            <a:endParaRPr lang="da-DK" sz="1200" dirty="0"/>
           </a:p>
         </p:txBody>
       </p:sp>
@@ -4040,7 +4556,7 @@
       </p:grpSpPr>
       <p:sp>
         <p:nvSpPr>
-          <p:cNvPr id="2" name="Title 1"/>
+          <p:cNvPr id="2" name="Titel 1"/>
           <p:cNvSpPr>
             <a:spLocks noGrp="1"/>
           </p:cNvSpPr>
@@ -4055,7 +4571,7 @@
           <a:p>
             <a:r>
               <a:rPr lang="en-US" dirty="0" smtClean="0"/>
-              <a:t>Abstract Class Vs Interface</a:t>
+              <a:t>Custom Events</a:t>
             </a:r>
             <a:endParaRPr lang="en-US" dirty="0"/>
           </a:p>
@@ -4063,7 +4579,7 @@
       </p:sp>
       <p:sp>
         <p:nvSpPr>
-          <p:cNvPr id="3" name="Content Placeholder 2"/>
+          <p:cNvPr id="3" name="Pladsholder til indhold 2"/>
           <p:cNvSpPr>
             <a:spLocks noGrp="1"/>
           </p:cNvSpPr>
@@ -4076,249 +4592,7 @@
           <a:bodyPr/>
           <a:lstStyle/>
           <a:p>
-            <a:endParaRPr lang="da-DK"/>
-          </a:p>
-        </p:txBody>
-      </p:sp>
-    </p:spTree>
-  </p:cSld>
-  <p:clrMapOvr>
-    <a:masterClrMapping/>
-  </p:clrMapOvr>
-</p:sld>
-</file>
-
-<file path=ppt/slides/slide7.xml><?xml version="1.0" encoding="utf-8"?>
-<p:sld xmlns:a="http://schemas.openxmlformats.org/drawingml/2006/main" xmlns:r="http://schemas.openxmlformats.org/officeDocument/2006/relationships" xmlns:p="http://schemas.openxmlformats.org/presentationml/2006/main">
-  <p:cSld>
-    <p:spTree>
-      <p:nvGrpSpPr>
-        <p:cNvPr id="1" name=""/>
-        <p:cNvGrpSpPr/>
-        <p:nvPr/>
-      </p:nvGrpSpPr>
-      <p:grpSpPr>
-        <a:xfrm>
-          <a:off x="0" y="0"/>
-          <a:ext cx="0" cy="0"/>
-          <a:chOff x="0" y="0"/>
-          <a:chExt cx="0" cy="0"/>
-        </a:xfrm>
-      </p:grpSpPr>
-      <p:sp>
-        <p:nvSpPr>
-          <p:cNvPr id="2" name="Title 1"/>
-          <p:cNvSpPr>
-            <a:spLocks noGrp="1"/>
-          </p:cNvSpPr>
-          <p:nvPr>
-            <p:ph type="title"/>
-          </p:nvPr>
-        </p:nvSpPr>
-        <p:spPr/>
-        <p:txBody>
-          <a:bodyPr/>
-          <a:lstStyle/>
-          <a:p>
-            <a:r>
-              <a:rPr lang="en-US" dirty="0" smtClean="0"/>
-              <a:t>Garbage Collector</a:t>
-            </a:r>
-            <a:endParaRPr lang="en-US" dirty="0"/>
-          </a:p>
-        </p:txBody>
-      </p:sp>
-      <p:sp>
-        <p:nvSpPr>
-          <p:cNvPr id="3" name="Content Placeholder 2"/>
-          <p:cNvSpPr>
-            <a:spLocks noGrp="1"/>
-          </p:cNvSpPr>
-          <p:nvPr>
-            <p:ph idx="1"/>
-          </p:nvPr>
-        </p:nvSpPr>
-        <p:spPr/>
-        <p:txBody>
-          <a:bodyPr/>
-          <a:lstStyle/>
-          <a:p>
-            <a:r>
-              <a:rPr lang="en-US" dirty="0" smtClean="0"/>
-              <a:t>C# performs automatic garbage collection</a:t>
-            </a:r>
-          </a:p>
-          <a:p>
-            <a:pPr lvl="1"/>
-            <a:r>
-              <a:rPr lang="en-US" dirty="0" smtClean="0"/>
-              <a:t>Collection/removing objects that are marked as garbage</a:t>
-            </a:r>
-          </a:p>
-          <a:p>
-            <a:pPr lvl="1"/>
-            <a:r>
-              <a:rPr lang="en-US" dirty="0" smtClean="0"/>
-              <a:t>Object that no longer has a reference</a:t>
-            </a:r>
-          </a:p>
-          <a:p>
-            <a:pPr lvl="1"/>
-            <a:r>
-              <a:rPr lang="en-US" dirty="0" smtClean="0"/>
-              <a:t>C# programmers don’t need to worry about explicitly reclaiming memory that has become garbage </a:t>
-            </a:r>
-            <a:endParaRPr lang="en-US" dirty="0"/>
-          </a:p>
-        </p:txBody>
-      </p:sp>
-    </p:spTree>
-  </p:cSld>
-  <p:clrMapOvr>
-    <a:masterClrMapping/>
-  </p:clrMapOvr>
-</p:sld>
-</file>
-
-<file path=ppt/slides/slide8.xml><?xml version="1.0" encoding="utf-8"?>
-<p:sld xmlns:a="http://schemas.openxmlformats.org/drawingml/2006/main" xmlns:r="http://schemas.openxmlformats.org/officeDocument/2006/relationships" xmlns:p="http://schemas.openxmlformats.org/presentationml/2006/main">
-  <p:cSld>
-    <p:spTree>
-      <p:nvGrpSpPr>
-        <p:cNvPr id="1" name=""/>
-        <p:cNvGrpSpPr/>
-        <p:nvPr/>
-      </p:nvGrpSpPr>
-      <p:grpSpPr>
-        <a:xfrm>
-          <a:off x="0" y="0"/>
-          <a:ext cx="0" cy="0"/>
-          <a:chOff x="0" y="0"/>
-          <a:chExt cx="0" cy="0"/>
-        </a:xfrm>
-      </p:grpSpPr>
-      <p:sp>
-        <p:nvSpPr>
-          <p:cNvPr id="2" name="Title 1"/>
-          <p:cNvSpPr>
-            <a:spLocks noGrp="1"/>
-          </p:cNvSpPr>
-          <p:nvPr>
-            <p:ph type="title"/>
-          </p:nvPr>
-        </p:nvSpPr>
-        <p:spPr/>
-        <p:txBody>
-          <a:bodyPr/>
-          <a:lstStyle/>
-          <a:p>
-            <a:r>
-              <a:rPr lang="en-US" dirty="0" smtClean="0"/>
-              <a:t>Use</a:t>
-            </a:r>
-            <a:r>
-              <a:rPr lang="da-DK" dirty="0" smtClean="0"/>
-              <a:t> i</a:t>
-            </a:r>
-            <a:r>
-              <a:rPr lang="en-US" dirty="0" smtClean="0"/>
-              <a:t>n our program</a:t>
-            </a:r>
-            <a:endParaRPr lang="en-US" dirty="0"/>
-          </a:p>
-        </p:txBody>
-      </p:sp>
-      <p:sp>
-        <p:nvSpPr>
-          <p:cNvPr id="3" name="Content Placeholder 2"/>
-          <p:cNvSpPr>
-            <a:spLocks noGrp="1"/>
-          </p:cNvSpPr>
-          <p:nvPr>
-            <p:ph idx="1"/>
-          </p:nvPr>
-        </p:nvSpPr>
-        <p:spPr/>
-        <p:txBody>
-          <a:bodyPr/>
-          <a:lstStyle/>
-          <a:p>
-            <a:endParaRPr lang="da-DK"/>
-          </a:p>
-        </p:txBody>
-      </p:sp>
-    </p:spTree>
-  </p:cSld>
-  <p:clrMapOvr>
-    <a:masterClrMapping/>
-  </p:clrMapOvr>
-</p:sld>
-</file>
-
-<file path=ppt/slides/slide9.xml><?xml version="1.0" encoding="utf-8"?>
-<p:sld xmlns:a="http://schemas.openxmlformats.org/drawingml/2006/main" xmlns:r="http://schemas.openxmlformats.org/officeDocument/2006/relationships" xmlns:p="http://schemas.openxmlformats.org/presentationml/2006/main">
-  <p:cSld>
-    <p:spTree>
-      <p:nvGrpSpPr>
-        <p:cNvPr id="1" name=""/>
-        <p:cNvGrpSpPr/>
-        <p:nvPr/>
-      </p:nvGrpSpPr>
-      <p:grpSpPr>
-        <a:xfrm>
-          <a:off x="0" y="0"/>
-          <a:ext cx="0" cy="0"/>
-          <a:chOff x="0" y="0"/>
-          <a:chExt cx="0" cy="0"/>
-        </a:xfrm>
-      </p:grpSpPr>
-      <p:sp>
-        <p:nvSpPr>
-          <p:cNvPr id="2" name="Title 1"/>
-          <p:cNvSpPr>
-            <a:spLocks noGrp="1"/>
-          </p:cNvSpPr>
-          <p:nvPr>
-            <p:ph type="title"/>
-          </p:nvPr>
-        </p:nvSpPr>
-        <p:spPr/>
-        <p:txBody>
-          <a:bodyPr/>
-          <a:lstStyle/>
-          <a:p>
-            <a:r>
-              <a:rPr lang="en-US" dirty="0" smtClean="0"/>
-              <a:t>Use</a:t>
-            </a:r>
-            <a:r>
-              <a:rPr lang="da-DK" dirty="0" smtClean="0"/>
-              <a:t> i</a:t>
-            </a:r>
-            <a:r>
-              <a:rPr lang="en-US" dirty="0" smtClean="0"/>
-              <a:t>n our program</a:t>
-            </a:r>
-            <a:endParaRPr lang="en-US" dirty="0"/>
-          </a:p>
-        </p:txBody>
-      </p:sp>
-      <p:sp>
-        <p:nvSpPr>
-          <p:cNvPr id="3" name="Content Placeholder 2"/>
-          <p:cNvSpPr>
-            <a:spLocks noGrp="1"/>
-          </p:cNvSpPr>
-          <p:nvPr>
-            <p:ph idx="1"/>
-          </p:nvPr>
-        </p:nvSpPr>
-        <p:spPr/>
-        <p:txBody>
-          <a:bodyPr/>
-          <a:lstStyle/>
-          <a:p>
-            <a:endParaRPr lang="da-DK"/>
+            <a:endParaRPr lang="en-US"/>
           </a:p>
         </p:txBody>
       </p:sp>

--- a/trunk/OOPExam/05 Windows Control, Events and Event Handlers.pptx
+++ b/trunk/OOPExam/05 Windows Control, Events and Event Handlers.pptx
@@ -947,6 +947,194 @@
               <a:rPr lang="en-US" smtClean="0"/>
               <a:pPr/>
               <a:t>5</a:t>
+            </a:fld>
+            <a:endParaRPr lang="en-US"/>
+          </a:p>
+        </p:txBody>
+      </p:sp>
+    </p:spTree>
+  </p:cSld>
+  <p:clrMapOvr>
+    <a:masterClrMapping/>
+  </p:clrMapOvr>
+</p:notes>
+</file>
+
+<file path=ppt/notesSlides/notesSlide4.xml><?xml version="1.0" encoding="utf-8"?>
+<p:notes xmlns:a="http://schemas.openxmlformats.org/drawingml/2006/main" xmlns:r="http://schemas.openxmlformats.org/officeDocument/2006/relationships" xmlns:p="http://schemas.openxmlformats.org/presentationml/2006/main">
+  <p:cSld>
+    <p:spTree>
+      <p:nvGrpSpPr>
+        <p:cNvPr id="1" name=""/>
+        <p:cNvGrpSpPr/>
+        <p:nvPr/>
+      </p:nvGrpSpPr>
+      <p:grpSpPr>
+        <a:xfrm>
+          <a:off x="0" y="0"/>
+          <a:ext cx="0" cy="0"/>
+          <a:chOff x="0" y="0"/>
+          <a:chExt cx="0" cy="0"/>
+        </a:xfrm>
+      </p:grpSpPr>
+      <p:sp>
+        <p:nvSpPr>
+          <p:cNvPr id="2" name="Pladsholder til diasbillede 1"/>
+          <p:cNvSpPr>
+            <a:spLocks noGrp="1" noRot="1" noChangeAspect="1"/>
+          </p:cNvSpPr>
+          <p:nvPr>
+            <p:ph type="sldImg"/>
+          </p:nvPr>
+        </p:nvSpPr>
+        <p:spPr/>
+      </p:sp>
+      <p:sp>
+        <p:nvSpPr>
+          <p:cNvPr id="3" name="Pladsholder til noter 2"/>
+          <p:cNvSpPr>
+            <a:spLocks noGrp="1"/>
+          </p:cNvSpPr>
+          <p:nvPr>
+            <p:ph type="body" idx="1"/>
+          </p:nvPr>
+        </p:nvSpPr>
+        <p:spPr/>
+        <p:txBody>
+          <a:bodyPr>
+            <a:normAutofit/>
+          </a:bodyPr>
+          <a:lstStyle/>
+          <a:p>
+            <a:r>
+              <a:rPr lang="en-US" dirty="0" smtClean="0"/>
+              <a:t>1 define</a:t>
+            </a:r>
+            <a:r>
+              <a:rPr lang="en-US" baseline="0" dirty="0" smtClean="0"/>
+              <a:t> the signature for the event handler, this is called a delegate. Ex. </a:t>
+            </a:r>
+            <a:r>
+              <a:rPr lang="en-US" b="1" baseline="0" dirty="0" smtClean="0"/>
+              <a:t>public delegate </a:t>
+            </a:r>
+            <a:r>
+              <a:rPr lang="en-US" baseline="0" dirty="0" smtClean="0"/>
+              <a:t>void </a:t>
+            </a:r>
+            <a:r>
+              <a:rPr lang="en-US" baseline="0" dirty="0" err="1" smtClean="0"/>
+              <a:t>TstChangedHandler</a:t>
+            </a:r>
+            <a:r>
+              <a:rPr lang="en-US" baseline="0" dirty="0" smtClean="0"/>
+              <a:t>(TST caller, </a:t>
+            </a:r>
+            <a:r>
+              <a:rPr lang="en-US" baseline="0" dirty="0" err="1" smtClean="0"/>
+              <a:t>bool</a:t>
+            </a:r>
+            <a:r>
+              <a:rPr lang="en-US" baseline="0" dirty="0" smtClean="0"/>
+              <a:t> valid); </a:t>
+            </a:r>
+          </a:p>
+          <a:p>
+            <a:r>
+              <a:rPr lang="en-US" baseline="0" dirty="0" smtClean="0"/>
+              <a:t>2 define the event. Ex. </a:t>
+            </a:r>
+            <a:r>
+              <a:rPr lang="en-US" b="1" i="0" baseline="0" dirty="0" smtClean="0"/>
+              <a:t>public event </a:t>
+            </a:r>
+            <a:r>
+              <a:rPr lang="en-US" baseline="0" dirty="0" err="1" smtClean="0"/>
+              <a:t>TstChangedHandler</a:t>
+            </a:r>
+            <a:r>
+              <a:rPr lang="en-US" baseline="0" dirty="0" smtClean="0"/>
+              <a:t> </a:t>
+            </a:r>
+            <a:r>
+              <a:rPr lang="en-US" baseline="0" dirty="0" err="1" smtClean="0"/>
+              <a:t>TstChanged</a:t>
+            </a:r>
+            <a:r>
+              <a:rPr lang="en-US" baseline="0" dirty="0" smtClean="0"/>
+              <a:t>;</a:t>
+            </a:r>
+          </a:p>
+          <a:p>
+            <a:r>
+              <a:rPr lang="en-US" baseline="0" dirty="0" smtClean="0"/>
+              <a:t>3 generating the event. Ex. </a:t>
+            </a:r>
+            <a:r>
+              <a:rPr lang="en-US" baseline="0" dirty="0" err="1" smtClean="0"/>
+              <a:t>TstChanged</a:t>
+            </a:r>
+            <a:r>
+              <a:rPr lang="en-US" baseline="0" dirty="0" smtClean="0"/>
+              <a:t>(this, Valid); //Throw custom event</a:t>
+            </a:r>
+          </a:p>
+          <a:p>
+            <a:r>
+              <a:rPr lang="en-US" baseline="0" dirty="0" smtClean="0"/>
+              <a:t>4 handling the event. Ex. Private void tst1_TstChanged(TstControls.TST caller, </a:t>
+            </a:r>
+            <a:r>
+              <a:rPr lang="en-US" baseline="0" dirty="0" err="1" smtClean="0"/>
+              <a:t>bool</a:t>
+            </a:r>
+            <a:r>
+              <a:rPr lang="en-US" baseline="0" dirty="0" smtClean="0"/>
+              <a:t> valid)</a:t>
+            </a:r>
+          </a:p>
+          <a:p>
+            <a:r>
+              <a:rPr lang="en-US" baseline="0" dirty="0" smtClean="0"/>
+              <a:t>this.tst1.TstChanged +=</a:t>
+            </a:r>
+          </a:p>
+          <a:p>
+            <a:r>
+              <a:rPr lang="en-US" baseline="0" dirty="0" smtClean="0"/>
+              <a:t>new </a:t>
+            </a:r>
+            <a:r>
+              <a:rPr lang="en-US" baseline="0" dirty="0" err="1" smtClean="0"/>
+              <a:t>TstControls.TT.TstChangedHandler</a:t>
+            </a:r>
+            <a:r>
+              <a:rPr lang="en-US" baseline="0" dirty="0" smtClean="0"/>
+              <a:t>(this.tst1_TstChanged);</a:t>
+            </a:r>
+            <a:endParaRPr lang="en-US" dirty="0"/>
+          </a:p>
+        </p:txBody>
+      </p:sp>
+      <p:sp>
+        <p:nvSpPr>
+          <p:cNvPr id="4" name="Pladsholder til diasnummer 3"/>
+          <p:cNvSpPr>
+            <a:spLocks noGrp="1"/>
+          </p:cNvSpPr>
+          <p:nvPr>
+            <p:ph type="sldNum" sz="quarter" idx="10"/>
+          </p:nvPr>
+        </p:nvSpPr>
+        <p:spPr/>
+        <p:txBody>
+          <a:bodyPr/>
+          <a:lstStyle/>
+          <a:p>
+            <a:fld id="{9AF4F8FE-1D9F-4EDC-9CB0-F991A3D1F10C}" type="slidenum">
+              <a:rPr lang="en-US" smtClean="0"/>
+              <a:pPr/>
+              <a:t>6</a:t>
             </a:fld>
             <a:endParaRPr lang="en-US"/>
           </a:p>
@@ -4116,39 +4304,6 @@
           </a:p>
         </p:txBody>
       </p:sp>
-      <p:pic>
-        <p:nvPicPr>
-          <p:cNvPr id="1028" name="Picture 4"/>
-          <p:cNvPicPr>
-            <a:picLocks noChangeAspect="1" noChangeArrowheads="1"/>
-          </p:cNvPicPr>
-          <p:nvPr/>
-        </p:nvPicPr>
-        <p:blipFill>
-          <a:blip r:embed="rId2" cstate="print"/>
-          <a:srcRect/>
-          <a:stretch>
-            <a:fillRect/>
-          </a:stretch>
-        </p:blipFill>
-        <p:spPr bwMode="auto">
-          <a:xfrm>
-            <a:off x="571472" y="2143116"/>
-            <a:ext cx="5648325" cy="4505325"/>
-          </a:xfrm>
-          <a:prstGeom prst="rect">
-            <a:avLst/>
-          </a:prstGeom>
-          <a:noFill/>
-          <a:ln w="9525">
-            <a:noFill/>
-            <a:miter lim="800000"/>
-            <a:headEnd/>
-            <a:tailEnd/>
-          </a:ln>
-          <a:effectLst/>
-        </p:spPr>
-      </p:pic>
     </p:spTree>
   </p:cSld>
   <p:clrMapOvr>
@@ -4592,7 +4747,11 @@
           <a:bodyPr/>
           <a:lstStyle/>
           <a:p>
-            <a:endParaRPr lang="en-US"/>
+            <a:r>
+              <a:rPr lang="en-US" dirty="0" smtClean="0"/>
+              <a:t>Creating custom events</a:t>
+            </a:r>
+            <a:endParaRPr lang="en-US" dirty="0"/>
           </a:p>
         </p:txBody>
       </p:sp>
